--- a/slides-presentation/hackaton.pptx
+++ b/slides-presentation/hackaton.pptx
@@ -277,7 +277,7 @@
           <a:p>
             <a:fld id="{A06D7970-9400-411D-A668-940C678469F9}" type="datetimeFigureOut">
               <a:rPr lang="it-IT" smtClean="0"/>
-              <a:t>21/04/2024</a:t>
+              <a:t>21/04/24</a:t>
             </a:fld>
             <a:endParaRPr lang="it-IT"/>
           </a:p>
@@ -331,7 +331,7 @@
           <a:p>
             <a:fld id="{9E819132-1636-4773-A62B-D77E42F8F958}" type="slidenum">
               <a:rPr lang="it-IT" smtClean="0"/>
-              <a:t>‹N›</a:t>
+              <a:t>‹#›</a:t>
             </a:fld>
             <a:endParaRPr lang="it-IT"/>
           </a:p>
@@ -475,7 +475,7 @@
           <a:p>
             <a:fld id="{A06D7970-9400-411D-A668-940C678469F9}" type="datetimeFigureOut">
               <a:rPr lang="it-IT" smtClean="0"/>
-              <a:t>21/04/2024</a:t>
+              <a:t>21/04/24</a:t>
             </a:fld>
             <a:endParaRPr lang="it-IT"/>
           </a:p>
@@ -529,7 +529,7 @@
           <a:p>
             <a:fld id="{9E819132-1636-4773-A62B-D77E42F8F958}" type="slidenum">
               <a:rPr lang="it-IT" smtClean="0"/>
-              <a:t>‹N›</a:t>
+              <a:t>‹#›</a:t>
             </a:fld>
             <a:endParaRPr lang="it-IT"/>
           </a:p>
@@ -683,7 +683,7 @@
           <a:p>
             <a:fld id="{A06D7970-9400-411D-A668-940C678469F9}" type="datetimeFigureOut">
               <a:rPr lang="it-IT" smtClean="0"/>
-              <a:t>21/04/2024</a:t>
+              <a:t>21/04/24</a:t>
             </a:fld>
             <a:endParaRPr lang="it-IT"/>
           </a:p>
@@ -737,7 +737,7 @@
           <a:p>
             <a:fld id="{9E819132-1636-4773-A62B-D77E42F8F958}" type="slidenum">
               <a:rPr lang="it-IT" smtClean="0"/>
-              <a:t>‹N›</a:t>
+              <a:t>‹#›</a:t>
             </a:fld>
             <a:endParaRPr lang="it-IT"/>
           </a:p>
@@ -881,7 +881,7 @@
           <a:p>
             <a:fld id="{A06D7970-9400-411D-A668-940C678469F9}" type="datetimeFigureOut">
               <a:rPr lang="it-IT" smtClean="0"/>
-              <a:t>21/04/2024</a:t>
+              <a:t>21/04/24</a:t>
             </a:fld>
             <a:endParaRPr lang="it-IT"/>
           </a:p>
@@ -935,7 +935,7 @@
           <a:p>
             <a:fld id="{9E819132-1636-4773-A62B-D77E42F8F958}" type="slidenum">
               <a:rPr lang="it-IT" smtClean="0"/>
-              <a:t>‹N›</a:t>
+              <a:t>‹#›</a:t>
             </a:fld>
             <a:endParaRPr lang="it-IT"/>
           </a:p>
@@ -1156,7 +1156,7 @@
           <a:p>
             <a:fld id="{A06D7970-9400-411D-A668-940C678469F9}" type="datetimeFigureOut">
               <a:rPr lang="it-IT" smtClean="0"/>
-              <a:t>21/04/2024</a:t>
+              <a:t>21/04/24</a:t>
             </a:fld>
             <a:endParaRPr lang="it-IT"/>
           </a:p>
@@ -1210,7 +1210,7 @@
           <a:p>
             <a:fld id="{9E819132-1636-4773-A62B-D77E42F8F958}" type="slidenum">
               <a:rPr lang="it-IT" smtClean="0"/>
-              <a:t>‹N›</a:t>
+              <a:t>‹#›</a:t>
             </a:fld>
             <a:endParaRPr lang="it-IT"/>
           </a:p>
@@ -1421,7 +1421,7 @@
           <a:p>
             <a:fld id="{A06D7970-9400-411D-A668-940C678469F9}" type="datetimeFigureOut">
               <a:rPr lang="it-IT" smtClean="0"/>
-              <a:t>21/04/2024</a:t>
+              <a:t>21/04/24</a:t>
             </a:fld>
             <a:endParaRPr lang="it-IT"/>
           </a:p>
@@ -1475,7 +1475,7 @@
           <a:p>
             <a:fld id="{9E819132-1636-4773-A62B-D77E42F8F958}" type="slidenum">
               <a:rPr lang="it-IT" smtClean="0"/>
-              <a:t>‹N›</a:t>
+              <a:t>‹#›</a:t>
             </a:fld>
             <a:endParaRPr lang="it-IT"/>
           </a:p>
@@ -1833,7 +1833,7 @@
           <a:p>
             <a:fld id="{A06D7970-9400-411D-A668-940C678469F9}" type="datetimeFigureOut">
               <a:rPr lang="it-IT" smtClean="0"/>
-              <a:t>21/04/2024</a:t>
+              <a:t>21/04/24</a:t>
             </a:fld>
             <a:endParaRPr lang="it-IT"/>
           </a:p>
@@ -1887,7 +1887,7 @@
           <a:p>
             <a:fld id="{9E819132-1636-4773-A62B-D77E42F8F958}" type="slidenum">
               <a:rPr lang="it-IT" smtClean="0"/>
-              <a:t>‹N›</a:t>
+              <a:t>‹#›</a:t>
             </a:fld>
             <a:endParaRPr lang="it-IT"/>
           </a:p>
@@ -1974,7 +1974,7 @@
           <a:p>
             <a:fld id="{A06D7970-9400-411D-A668-940C678469F9}" type="datetimeFigureOut">
               <a:rPr lang="it-IT" smtClean="0"/>
-              <a:t>21/04/2024</a:t>
+              <a:t>21/04/24</a:t>
             </a:fld>
             <a:endParaRPr lang="it-IT"/>
           </a:p>
@@ -2028,7 +2028,7 @@
           <a:p>
             <a:fld id="{9E819132-1636-4773-A62B-D77E42F8F958}" type="slidenum">
               <a:rPr lang="it-IT" smtClean="0"/>
-              <a:t>‹N›</a:t>
+              <a:t>‹#›</a:t>
             </a:fld>
             <a:endParaRPr lang="it-IT"/>
           </a:p>
@@ -2087,7 +2087,7 @@
           <a:p>
             <a:fld id="{A06D7970-9400-411D-A668-940C678469F9}" type="datetimeFigureOut">
               <a:rPr lang="it-IT" smtClean="0"/>
-              <a:t>21/04/2024</a:t>
+              <a:t>21/04/24</a:t>
             </a:fld>
             <a:endParaRPr lang="it-IT"/>
           </a:p>
@@ -2141,7 +2141,7 @@
           <a:p>
             <a:fld id="{9E819132-1636-4773-A62B-D77E42F8F958}" type="slidenum">
               <a:rPr lang="it-IT" smtClean="0"/>
-              <a:t>‹N›</a:t>
+              <a:t>‹#›</a:t>
             </a:fld>
             <a:endParaRPr lang="it-IT"/>
           </a:p>
@@ -2398,7 +2398,7 @@
           <a:p>
             <a:fld id="{A06D7970-9400-411D-A668-940C678469F9}" type="datetimeFigureOut">
               <a:rPr lang="it-IT" smtClean="0"/>
-              <a:t>21/04/2024</a:t>
+              <a:t>21/04/24</a:t>
             </a:fld>
             <a:endParaRPr lang="it-IT"/>
           </a:p>
@@ -2452,7 +2452,7 @@
           <a:p>
             <a:fld id="{9E819132-1636-4773-A62B-D77E42F8F958}" type="slidenum">
               <a:rPr lang="it-IT" smtClean="0"/>
-              <a:t>‹N›</a:t>
+              <a:t>‹#›</a:t>
             </a:fld>
             <a:endParaRPr lang="it-IT"/>
           </a:p>
@@ -2686,7 +2686,7 @@
           <a:p>
             <a:fld id="{A06D7970-9400-411D-A668-940C678469F9}" type="datetimeFigureOut">
               <a:rPr lang="it-IT" smtClean="0"/>
-              <a:t>21/04/2024</a:t>
+              <a:t>21/04/24</a:t>
             </a:fld>
             <a:endParaRPr lang="it-IT"/>
           </a:p>
@@ -2740,7 +2740,7 @@
           <a:p>
             <a:fld id="{9E819132-1636-4773-A62B-D77E42F8F958}" type="slidenum">
               <a:rPr lang="it-IT" smtClean="0"/>
-              <a:t>‹N›</a:t>
+              <a:t>‹#›</a:t>
             </a:fld>
             <a:endParaRPr lang="it-IT"/>
           </a:p>
@@ -2930,7 +2930,7 @@
           <a:p>
             <a:fld id="{A06D7970-9400-411D-A668-940C678469F9}" type="datetimeFigureOut">
               <a:rPr lang="it-IT" smtClean="0"/>
-              <a:t>21/04/2024</a:t>
+              <a:t>21/04/24</a:t>
             </a:fld>
             <a:endParaRPr lang="it-IT"/>
           </a:p>
@@ -3020,7 +3020,7 @@
           <a:p>
             <a:fld id="{9E819132-1636-4773-A62B-D77E42F8F958}" type="slidenum">
               <a:rPr lang="it-IT" smtClean="0"/>
-              <a:t>‹N›</a:t>
+              <a:t>‹#›</a:t>
             </a:fld>
             <a:endParaRPr lang="it-IT"/>
           </a:p>
@@ -3365,12 +3365,14 @@
         </p:nvSpPr>
         <p:spPr>
           <a:xfrm>
-            <a:off x="2721913" y="4283491"/>
-            <a:ext cx="6748174" cy="1036586"/>
+            <a:off x="2721913" y="4283490"/>
+            <a:ext cx="6748174" cy="1554601"/>
           </a:xfrm>
         </p:spPr>
         <p:txBody>
-          <a:bodyPr/>
+          <a:bodyPr>
+            <a:normAutofit/>
+          </a:bodyPr>
           <a:lstStyle/>
           <a:p>
             <a:r>
@@ -3380,8 +3382,31 @@
                 </a:solidFill>
                 <a:latin typeface="Calisto MT" panose="02040603050505030304" pitchFamily="18" charset="0"/>
               </a:rPr>
-              <a:t>PIZZA NUMBERS</a:t>
-            </a:r>
+              <a:t>STUD-IA</a:t>
+            </a:r>
+            <a:br>
+              <a:rPr lang="it-IT" b="1" dirty="0">
+                <a:solidFill>
+                  <a:srgbClr val="6699FF"/>
+                </a:solidFill>
+                <a:latin typeface="Calisto MT" panose="02040603050505030304" pitchFamily="18" charset="0"/>
+              </a:rPr>
+            </a:br>
+            <a:r>
+              <a:rPr lang="it-IT" sz="2800" b="1" dirty="0">
+                <a:solidFill>
+                  <a:srgbClr val="6699FF"/>
+                </a:solidFill>
+                <a:latin typeface="Calisto MT" panose="02040603050505030304" pitchFamily="18" charset="0"/>
+              </a:rPr>
+              <a:t>made by Pizza Numbers</a:t>
+            </a:r>
+            <a:endParaRPr lang="it-IT" b="1" dirty="0">
+              <a:solidFill>
+                <a:srgbClr val="6699FF"/>
+              </a:solidFill>
+              <a:latin typeface="Calisto MT" panose="02040603050505030304" pitchFamily="18" charset="0"/>
+            </a:endParaRPr>
           </a:p>
         </p:txBody>
       </p:sp>
